--- a/IBM Internship Project/AICTE PPT Template (1) (6).pptx
+++ b/IBM Internship Project/AICTE PPT Template (1) (6).pptx
@@ -140,7 +140,7 @@
 <file path=ppt/revisionInfo.xml><?xml version="1.0" encoding="utf-8"?>
 <p1510:revInfo xmlns:a="http://schemas.openxmlformats.org/drawingml/2006/main" xmlns:r="http://schemas.openxmlformats.org/officeDocument/2006/relationships" xmlns:p1510="http://schemas.microsoft.com/office/powerpoint/2015/10/main">
   <p1510:revLst>
-    <p1510:client id="{CAB2A1AE-660B-4D26-8419-4DE7372F1FA6}" v="68" dt="2025-02-25T20:42:46.499"/>
+    <p1510:client id="{CAB2A1AE-660B-4D26-8419-4DE7372F1FA6}" v="78" dt="2025-02-26T07:05:41.696"/>
   </p1510:revLst>
 </p1510:revInfo>
 </file>
@@ -150,7 +150,7 @@
   <pc:docChgLst>
     <pc:chgData name="aksharma2805@gmail.com" userId="bb32382e522b990f" providerId="LiveId" clId="{CAB2A1AE-660B-4D26-8419-4DE7372F1FA6}"/>
     <pc:docChg chg="undo custSel addSld modSld">
-      <pc:chgData name="aksharma2805@gmail.com" userId="bb32382e522b990f" providerId="LiveId" clId="{CAB2A1AE-660B-4D26-8419-4DE7372F1FA6}" dt="2025-02-25T20:43:08.676" v="207" actId="1076"/>
+      <pc:chgData name="aksharma2805@gmail.com" userId="bb32382e522b990f" providerId="LiveId" clId="{CAB2A1AE-660B-4D26-8419-4DE7372F1FA6}" dt="2025-02-26T07:05:48.650" v="451" actId="20577"/>
       <pc:docMkLst>
         <pc:docMk/>
       </pc:docMkLst>
@@ -272,6 +272,21 @@
             <ac:picMk id="25" creationId="{576A5311-1C0B-356D-2FEF-35AE85419D20}"/>
           </ac:picMkLst>
         </pc:picChg>
+      </pc:sldChg>
+      <pc:sldChg chg="modSp mod">
+        <pc:chgData name="aksharma2805@gmail.com" userId="bb32382e522b990f" providerId="LiveId" clId="{CAB2A1AE-660B-4D26-8419-4DE7372F1FA6}" dt="2025-02-26T07:05:48.650" v="451" actId="20577"/>
+        <pc:sldMkLst>
+          <pc:docMk/>
+          <pc:sldMk cId="2230664768" sldId="2146847061"/>
+        </pc:sldMkLst>
+        <pc:spChg chg="mod">
+          <ac:chgData name="aksharma2805@gmail.com" userId="bb32382e522b990f" providerId="LiveId" clId="{CAB2A1AE-660B-4D26-8419-4DE7372F1FA6}" dt="2025-02-26T07:05:48.650" v="451" actId="20577"/>
+          <ac:spMkLst>
+            <pc:docMk/>
+            <pc:sldMk cId="2230664768" sldId="2146847061"/>
+            <ac:spMk id="3" creationId="{51A299DD-46FA-7866-41D8-C1BFCC2F69DD}"/>
+          </ac:spMkLst>
+        </pc:spChg>
       </pc:sldChg>
       <pc:sldChg chg="addSp delSp modSp add mod">
         <pc:chgData name="aksharma2805@gmail.com" userId="bb32382e522b990f" providerId="LiveId" clId="{CAB2A1AE-660B-4D26-8419-4DE7372F1FA6}" dt="2025-02-25T20:43:08.676" v="207" actId="1076"/>
@@ -4750,9 +4765,52 @@
           <a:lstStyle/>
           <a:p>
             <a:r>
+              <a:rPr lang="en-IN" dirty="0">
+                <a:hlinkClick r:id="rId2"/>
+              </a:rPr>
+              <a:t>https://github.com/Ethan-Winters-28/Secure-data-hiding-in-image-using-steganography.git</a:t>
+            </a:r>
+            <a:endParaRPr lang="en-IN" dirty="0"/>
+          </a:p>
+          <a:p>
+            <a:endParaRPr lang="en-IN" dirty="0"/>
+          </a:p>
+          <a:p>
+            <a:r>
               <a:rPr lang="en-IN" dirty="0"/>
-              <a:t>Make sure that there should be readme file</a:t>
-            </a:r>
+              <a:t>If First Link Is Not Clickable Then here is Other link Of GitHub </a:t>
+            </a:r>
+          </a:p>
+          <a:p>
+            <a:pPr marL="0" indent="0">
+              <a:buNone/>
+            </a:pPr>
+            <a:r>
+              <a:rPr lang="en-IN" dirty="0"/>
+              <a:t>    ( </a:t>
+            </a:r>
+            <a:r>
+              <a:rPr lang="en-IN" dirty="0">
+                <a:hlinkClick r:id="rId2"/>
+              </a:rPr>
+              <a:t>https://github.com/Ethan-Winters-28/Secure-data-hiding-in-image-using-steganography.git</a:t>
+            </a:r>
+            <a:r>
+              <a:rPr lang="en-IN" dirty="0"/>
+              <a:t> )</a:t>
+            </a:r>
+          </a:p>
+          <a:p>
+            <a:pPr marL="0" indent="0">
+              <a:buNone/>
+            </a:pPr>
+            <a:r>
+              <a:rPr lang="en-IN" dirty="0"/>
+              <a:t>      </a:t>
+            </a:r>
+          </a:p>
+          <a:p>
+            <a:endParaRPr lang="en-IN" dirty="0"/>
           </a:p>
         </p:txBody>
       </p:sp>
